--- a/PPT.pptx
+++ b/PPT.pptx
@@ -5,24 +5,25 @@
     <p:sldMasterId id="2147483744" r:id="rId4"/>
   </p:sldMasterIdLst>
   <p:notesMasterIdLst>
-    <p:notesMasterId r:id="rId17"/>
+    <p:notesMasterId r:id="rId18"/>
   </p:notesMasterIdLst>
   <p:handoutMasterIdLst>
-    <p:handoutMasterId r:id="rId18"/>
+    <p:handoutMasterId r:id="rId19"/>
   </p:handoutMasterIdLst>
   <p:sldIdLst>
     <p:sldId id="256" r:id="rId5"/>
-    <p:sldId id="258" r:id="rId6"/>
-    <p:sldId id="276" r:id="rId7"/>
-    <p:sldId id="260" r:id="rId8"/>
-    <p:sldId id="280" r:id="rId9"/>
-    <p:sldId id="277" r:id="rId10"/>
-    <p:sldId id="281" r:id="rId11"/>
-    <p:sldId id="275" r:id="rId12"/>
-    <p:sldId id="279" r:id="rId13"/>
-    <p:sldId id="274" r:id="rId14"/>
-    <p:sldId id="278" r:id="rId15"/>
-    <p:sldId id="264" r:id="rId16"/>
+    <p:sldId id="282" r:id="rId6"/>
+    <p:sldId id="258" r:id="rId7"/>
+    <p:sldId id="276" r:id="rId8"/>
+    <p:sldId id="260" r:id="rId9"/>
+    <p:sldId id="280" r:id="rId10"/>
+    <p:sldId id="277" r:id="rId11"/>
+    <p:sldId id="281" r:id="rId12"/>
+    <p:sldId id="275" r:id="rId13"/>
+    <p:sldId id="279" r:id="rId14"/>
+    <p:sldId id="274" r:id="rId15"/>
+    <p:sldId id="278" r:id="rId16"/>
+    <p:sldId id="264" r:id="rId17"/>
   </p:sldIdLst>
   <p:sldSz cx="12192000" cy="6858000"/>
   <p:notesSz cx="6858000" cy="9144000"/>
@@ -830,7 +831,7 @@
           <a:p>
             <a:fld id="{F3544625-0ADF-4414-89A2-9E135F0C849F}" type="slidenum">
               <a:rPr lang="en-US" smtClean="0"/>
-              <a:t>2</a:t>
+              <a:t>3</a:t>
             </a:fld>
             <a:endParaRPr lang="en-US" dirty="0"/>
           </a:p>
@@ -914,7 +915,7 @@
           <a:p>
             <a:fld id="{F3544625-0ADF-4414-89A2-9E135F0C849F}" type="slidenum">
               <a:rPr lang="en-US" smtClean="0"/>
-              <a:t>4</a:t>
+              <a:t>5</a:t>
             </a:fld>
             <a:endParaRPr lang="en-US" dirty="0"/>
           </a:p>
@@ -998,7 +999,7 @@
           <a:p>
             <a:fld id="{F3544625-0ADF-4414-89A2-9E135F0C849F}" type="slidenum">
               <a:rPr lang="en-US" smtClean="0"/>
-              <a:t>10</a:t>
+              <a:t>11</a:t>
             </a:fld>
             <a:endParaRPr lang="en-US" dirty="0"/>
           </a:p>
@@ -1082,7 +1083,7 @@
           <a:p>
             <a:fld id="{F3544625-0ADF-4414-89A2-9E135F0C849F}" type="slidenum">
               <a:rPr lang="en-US" smtClean="0"/>
-              <a:t>12</a:t>
+              <a:t>13</a:t>
             </a:fld>
             <a:endParaRPr lang="en-US" dirty="0"/>
           </a:p>
@@ -7097,6 +7098,563 @@
           <a:chExt cx="0" cy="0"/>
         </a:xfrm>
       </p:grpSpPr>
+      <p:graphicFrame>
+        <p:nvGraphicFramePr>
+          <p:cNvPr id="5" name="Table 4">
+            <a:extLst>
+              <a:ext uri="{FF2B5EF4-FFF2-40B4-BE49-F238E27FC236}">
+                <a16:creationId xmlns:a16="http://schemas.microsoft.com/office/drawing/2014/main" id="{0DF33AD3-B4BC-4F93-AC0B-A98ABD624F4D}"/>
+              </a:ext>
+            </a:extLst>
+          </p:cNvPr>
+          <p:cNvGraphicFramePr>
+            <a:graphicFrameLocks noGrp="1"/>
+          </p:cNvGraphicFramePr>
+          <p:nvPr>
+            <p:extLst>
+              <p:ext uri="{D42A27DB-BD31-4B8C-83A1-F6EECF244321}">
+                <p14:modId xmlns:p14="http://schemas.microsoft.com/office/powerpoint/2010/main" val="1749269586"/>
+              </p:ext>
+            </p:extLst>
+          </p:nvPr>
+        </p:nvGraphicFramePr>
+        <p:xfrm>
+          <a:off x="533400" y="457200"/>
+          <a:ext cx="11125199" cy="5561712"/>
+        </p:xfrm>
+        <a:graphic>
+          <a:graphicData uri="http://schemas.openxmlformats.org/drawingml/2006/table">
+            <a:tbl>
+              <a:tblPr firstRow="1" firstCol="1" bandRow="1">
+                <a:tableStyleId>{2D5ABB26-0587-4C30-8999-92F81FD0307C}</a:tableStyleId>
+              </a:tblPr>
+              <a:tblGrid>
+                <a:gridCol w="2469722">
+                  <a:extLst>
+                    <a:ext uri="{9D8B030D-6E8A-4147-A177-3AD203B41FA5}">
+                      <a16:colId xmlns:a16="http://schemas.microsoft.com/office/drawing/2014/main" val="2121969142"/>
+                    </a:ext>
+                  </a:extLst>
+                </a:gridCol>
+                <a:gridCol w="5255658">
+                  <a:extLst>
+                    <a:ext uri="{9D8B030D-6E8A-4147-A177-3AD203B41FA5}">
+                      <a16:colId xmlns:a16="http://schemas.microsoft.com/office/drawing/2014/main" val="1259411813"/>
+                    </a:ext>
+                  </a:extLst>
+                </a:gridCol>
+                <a:gridCol w="3399819">
+                  <a:extLst>
+                    <a:ext uri="{9D8B030D-6E8A-4147-A177-3AD203B41FA5}">
+                      <a16:colId xmlns:a16="http://schemas.microsoft.com/office/drawing/2014/main" val="1742097559"/>
+                    </a:ext>
+                  </a:extLst>
+                </a:gridCol>
+              </a:tblGrid>
+              <a:tr h="1933413">
+                <a:tc>
+                  <a:txBody>
+                    <a:bodyPr/>
+                    <a:lstStyle/>
+                    <a:p>
+                      <a:pPr algn="ctr">
+                        <a:lnSpc>
+                          <a:spcPct val="107000"/>
+                        </a:lnSpc>
+                        <a:spcAft>
+                          <a:spcPts val="800"/>
+                        </a:spcAft>
+                      </a:pPr>
+                      <a:r>
+                        <a:rPr lang="en-IN" sz="1800" dirty="0">
+                          <a:effectLst/>
+                        </a:rPr>
+                        <a:t>API issues over Security .</a:t>
+                      </a:r>
+                      <a:endParaRPr lang="en-IN" sz="1800" dirty="0">
+                        <a:effectLst/>
+                        <a:latin typeface="Calibri" panose="020F0502020204030204" pitchFamily="34" charset="0"/>
+                        <a:ea typeface="Calibri" panose="020F0502020204030204" pitchFamily="34" charset="0"/>
+                        <a:cs typeface="Times New Roman" panose="02020603050405020304" pitchFamily="18" charset="0"/>
+                      </a:endParaRPr>
+                    </a:p>
+                  </a:txBody>
+                  <a:tcPr marL="12582" marR="12582" marT="0" marB="0">
+                    <a:lnL w="12700" cap="flat" cmpd="sng" algn="ctr">
+                      <a:solidFill>
+                        <a:schemeClr val="tx1"/>
+                      </a:solidFill>
+                      <a:prstDash val="solid"/>
+                      <a:round/>
+                      <a:headEnd type="none" w="med" len="med"/>
+                      <a:tailEnd type="none" w="med" len="med"/>
+                    </a:lnL>
+                    <a:lnR w="12700" cap="flat" cmpd="sng" algn="ctr">
+                      <a:solidFill>
+                        <a:schemeClr val="tx1"/>
+                      </a:solidFill>
+                      <a:prstDash val="solid"/>
+                      <a:round/>
+                      <a:headEnd type="none" w="med" len="med"/>
+                      <a:tailEnd type="none" w="med" len="med"/>
+                    </a:lnR>
+                    <a:lnT w="12700" cap="flat" cmpd="sng" algn="ctr">
+                      <a:solidFill>
+                        <a:schemeClr val="tx1"/>
+                      </a:solidFill>
+                      <a:prstDash val="solid"/>
+                      <a:round/>
+                      <a:headEnd type="none" w="med" len="med"/>
+                      <a:tailEnd type="none" w="med" len="med"/>
+                    </a:lnT>
+                    <a:lnB w="12700" cap="flat" cmpd="sng" algn="ctr">
+                      <a:solidFill>
+                        <a:schemeClr val="tx1"/>
+                      </a:solidFill>
+                      <a:prstDash val="solid"/>
+                      <a:round/>
+                      <a:headEnd type="none" w="med" len="med"/>
+                      <a:tailEnd type="none" w="med" len="med"/>
+                    </a:lnB>
+                  </a:tcPr>
+                </a:tc>
+                <a:tc>
+                  <a:txBody>
+                    <a:bodyPr/>
+                    <a:lstStyle/>
+                    <a:p>
+                      <a:pPr algn="ctr">
+                        <a:lnSpc>
+                          <a:spcPct val="107000"/>
+                        </a:lnSpc>
+                        <a:spcAft>
+                          <a:spcPts val="800"/>
+                        </a:spcAft>
+                      </a:pPr>
+                      <a:r>
+                        <a:rPr lang="en-IN" sz="1800" dirty="0">
+                          <a:effectLst/>
+                        </a:rPr>
+                        <a:t>Blockchain technology addresses interoperability challenges, is based on open standards, provides a shared distributed view of health data and will achieve widespread acceptance and deployment throughout all industries.</a:t>
+                      </a:r>
+                    </a:p>
+                    <a:p>
+                      <a:pPr algn="ctr">
+                        <a:lnSpc>
+                          <a:spcPct val="107000"/>
+                        </a:lnSpc>
+                        <a:spcAft>
+                          <a:spcPts val="800"/>
+                        </a:spcAft>
+                      </a:pPr>
+                      <a:r>
+                        <a:rPr lang="en-IN" sz="1800" dirty="0">
+                          <a:effectLst/>
+                        </a:rPr>
+                        <a:t>Third party API can prove a threat to the data , In order to overcome this we will use a Ledger having all information whether to add the data or not.</a:t>
+                      </a:r>
+                      <a:endParaRPr lang="en-IN" sz="1800" dirty="0">
+                        <a:effectLst/>
+                        <a:latin typeface="Calibri" panose="020F0502020204030204" pitchFamily="34" charset="0"/>
+                        <a:ea typeface="Calibri" panose="020F0502020204030204" pitchFamily="34" charset="0"/>
+                        <a:cs typeface="Times New Roman" panose="02020603050405020304" pitchFamily="18" charset="0"/>
+                      </a:endParaRPr>
+                    </a:p>
+                  </a:txBody>
+                  <a:tcPr marL="12582" marR="12582" marT="0" marB="0">
+                    <a:lnL w="12700" cap="flat" cmpd="sng" algn="ctr">
+                      <a:solidFill>
+                        <a:schemeClr val="tx1"/>
+                      </a:solidFill>
+                      <a:prstDash val="solid"/>
+                      <a:round/>
+                      <a:headEnd type="none" w="med" len="med"/>
+                      <a:tailEnd type="none" w="med" len="med"/>
+                    </a:lnL>
+                    <a:lnR w="12700" cap="flat" cmpd="sng" algn="ctr">
+                      <a:solidFill>
+                        <a:schemeClr val="tx1"/>
+                      </a:solidFill>
+                      <a:prstDash val="solid"/>
+                      <a:round/>
+                      <a:headEnd type="none" w="med" len="med"/>
+                      <a:tailEnd type="none" w="med" len="med"/>
+                    </a:lnR>
+                    <a:lnT w="12700" cap="flat" cmpd="sng" algn="ctr">
+                      <a:solidFill>
+                        <a:schemeClr val="tx1"/>
+                      </a:solidFill>
+                      <a:prstDash val="solid"/>
+                      <a:round/>
+                      <a:headEnd type="none" w="med" len="med"/>
+                      <a:tailEnd type="none" w="med" len="med"/>
+                    </a:lnT>
+                    <a:lnB w="12700" cap="flat" cmpd="sng" algn="ctr">
+                      <a:solidFill>
+                        <a:schemeClr val="tx1"/>
+                      </a:solidFill>
+                      <a:prstDash val="solid"/>
+                      <a:round/>
+                      <a:headEnd type="none" w="med" len="med"/>
+                      <a:tailEnd type="none" w="med" len="med"/>
+                    </a:lnB>
+                  </a:tcPr>
+                </a:tc>
+                <a:tc>
+                  <a:txBody>
+                    <a:bodyPr/>
+                    <a:lstStyle/>
+                    <a:p>
+                      <a:pPr algn="ctr">
+                        <a:lnSpc>
+                          <a:spcPct val="107000"/>
+                        </a:lnSpc>
+                        <a:spcAft>
+                          <a:spcPts val="800"/>
+                        </a:spcAft>
+                      </a:pPr>
+                      <a:r>
+                        <a:rPr lang="en-IN" sz="1800" dirty="0">
+                          <a:effectLst/>
+                        </a:rPr>
+                        <a:t>Laure A. Linn Martha B. Koo, M.D. 2017</a:t>
+                      </a:r>
+                      <a:endParaRPr lang="en-IN" sz="1800" dirty="0">
+                        <a:effectLst/>
+                        <a:latin typeface="Calibri" panose="020F0502020204030204" pitchFamily="34" charset="0"/>
+                        <a:ea typeface="Calibri" panose="020F0502020204030204" pitchFamily="34" charset="0"/>
+                        <a:cs typeface="Times New Roman" panose="02020603050405020304" pitchFamily="18" charset="0"/>
+                      </a:endParaRPr>
+                    </a:p>
+                  </a:txBody>
+                  <a:tcPr marL="12582" marR="12582" marT="0" marB="0">
+                    <a:lnL w="12700" cap="flat" cmpd="sng" algn="ctr">
+                      <a:solidFill>
+                        <a:schemeClr val="tx1"/>
+                      </a:solidFill>
+                      <a:prstDash val="solid"/>
+                      <a:round/>
+                      <a:headEnd type="none" w="med" len="med"/>
+                      <a:tailEnd type="none" w="med" len="med"/>
+                    </a:lnL>
+                    <a:lnR w="12700" cap="flat" cmpd="sng" algn="ctr">
+                      <a:solidFill>
+                        <a:schemeClr val="tx1"/>
+                      </a:solidFill>
+                      <a:prstDash val="solid"/>
+                      <a:round/>
+                      <a:headEnd type="none" w="med" len="med"/>
+                      <a:tailEnd type="none" w="med" len="med"/>
+                    </a:lnR>
+                    <a:lnT w="12700" cap="flat" cmpd="sng" algn="ctr">
+                      <a:solidFill>
+                        <a:schemeClr val="tx1"/>
+                      </a:solidFill>
+                      <a:prstDash val="solid"/>
+                      <a:round/>
+                      <a:headEnd type="none" w="med" len="med"/>
+                      <a:tailEnd type="none" w="med" len="med"/>
+                    </a:lnT>
+                    <a:lnB w="12700" cap="flat" cmpd="sng" algn="ctr">
+                      <a:solidFill>
+                        <a:schemeClr val="tx1"/>
+                      </a:solidFill>
+                      <a:prstDash val="solid"/>
+                      <a:round/>
+                      <a:headEnd type="none" w="med" len="med"/>
+                      <a:tailEnd type="none" w="med" len="med"/>
+                    </a:lnB>
+                  </a:tcPr>
+                </a:tc>
+                <a:extLst>
+                  <a:ext uri="{0D108BD9-81ED-4DB2-BD59-A6C34878D82A}">
+                    <a16:rowId xmlns:a16="http://schemas.microsoft.com/office/drawing/2014/main" val="2421205252"/>
+                  </a:ext>
+                </a:extLst>
+              </a:tr>
+              <a:tr h="2628926">
+                <a:tc>
+                  <a:txBody>
+                    <a:bodyPr/>
+                    <a:lstStyle/>
+                    <a:p>
+                      <a:pPr>
+                        <a:lnSpc>
+                          <a:spcPct val="107000"/>
+                        </a:lnSpc>
+                        <a:spcAft>
+                          <a:spcPts val="800"/>
+                        </a:spcAft>
+                      </a:pPr>
+                      <a:r>
+                        <a:rPr lang="en-IN" sz="1800" dirty="0">
+                          <a:effectLst/>
+                        </a:rPr>
+                        <a:t>Low transparency of contracts and high intermediary costs</a:t>
+                      </a:r>
+                      <a:endParaRPr lang="en-IN" sz="1800" dirty="0">
+                        <a:effectLst/>
+                        <a:latin typeface="Calibri" panose="020F0502020204030204" pitchFamily="34" charset="0"/>
+                        <a:ea typeface="Calibri" panose="020F0502020204030204" pitchFamily="34" charset="0"/>
+                        <a:cs typeface="Times New Roman" panose="02020603050405020304" pitchFamily="18" charset="0"/>
+                      </a:endParaRPr>
+                    </a:p>
+                  </a:txBody>
+                  <a:tcPr marL="12582" marR="12582" marT="0" marB="0">
+                    <a:lnL w="12700" cap="flat" cmpd="sng" algn="ctr">
+                      <a:solidFill>
+                        <a:schemeClr val="tx1"/>
+                      </a:solidFill>
+                      <a:prstDash val="solid"/>
+                      <a:round/>
+                      <a:headEnd type="none" w="med" len="med"/>
+                      <a:tailEnd type="none" w="med" len="med"/>
+                    </a:lnL>
+                    <a:lnR w="12700" cap="flat" cmpd="sng" algn="ctr">
+                      <a:solidFill>
+                        <a:schemeClr val="tx1"/>
+                      </a:solidFill>
+                      <a:prstDash val="solid"/>
+                      <a:round/>
+                      <a:headEnd type="none" w="med" len="med"/>
+                      <a:tailEnd type="none" w="med" len="med"/>
+                    </a:lnR>
+                    <a:lnT w="12700" cap="flat" cmpd="sng" algn="ctr">
+                      <a:solidFill>
+                        <a:schemeClr val="tx1"/>
+                      </a:solidFill>
+                      <a:prstDash val="solid"/>
+                      <a:round/>
+                      <a:headEnd type="none" w="med" len="med"/>
+                      <a:tailEnd type="none" w="med" len="med"/>
+                    </a:lnT>
+                    <a:lnB w="12700" cap="flat" cmpd="sng" algn="ctr">
+                      <a:solidFill>
+                        <a:schemeClr val="tx1"/>
+                      </a:solidFill>
+                      <a:prstDash val="solid"/>
+                      <a:round/>
+                      <a:headEnd type="none" w="med" len="med"/>
+                      <a:tailEnd type="none" w="med" len="med"/>
+                    </a:lnB>
+                  </a:tcPr>
+                </a:tc>
+                <a:tc>
+                  <a:txBody>
+                    <a:bodyPr/>
+                    <a:lstStyle/>
+                    <a:p>
+                      <a:pPr algn="ctr">
+                        <a:lnSpc>
+                          <a:spcPct val="107000"/>
+                        </a:lnSpc>
+                        <a:spcAft>
+                          <a:spcPts val="800"/>
+                        </a:spcAft>
+                      </a:pPr>
+                      <a:r>
+                        <a:rPr lang="en-IN" sz="1800" dirty="0">
+                          <a:effectLst/>
+                        </a:rPr>
+                        <a:t>(By Using Smart contracts)</a:t>
+                      </a:r>
+                    </a:p>
+                    <a:p>
+                      <a:pPr algn="ctr">
+                        <a:lnSpc>
+                          <a:spcPct val="107000"/>
+                        </a:lnSpc>
+                        <a:spcAft>
+                          <a:spcPts val="800"/>
+                        </a:spcAft>
+                      </a:pPr>
+                      <a:r>
+                        <a:rPr lang="en-IN" sz="1800" dirty="0">
+                          <a:effectLst/>
+                        </a:rPr>
+                        <a:t>Decentralised consensus improves the healthcare system transparency whilst removing an intermediary party that inflates the cost of healthcare. Further benefits include a significant reduction of inefficiency and waste in the healthcare ecosystem(Zhang, Schmidt, et al., 2018). The use of encryption, transparency and decentralised ledger removes miscommunication and mistrust and promote a transition to </a:t>
+                      </a:r>
+                      <a:r>
+                        <a:rPr lang="en-IN" sz="1800" dirty="0" err="1">
+                          <a:effectLst/>
+                        </a:rPr>
+                        <a:t>valuebased</a:t>
+                      </a:r>
+                      <a:r>
+                        <a:rPr lang="en-IN" sz="1800" dirty="0">
+                          <a:effectLst/>
+                        </a:rPr>
+                        <a:t> care.</a:t>
+                      </a:r>
+                    </a:p>
+                    <a:p>
+                      <a:pPr>
+                        <a:lnSpc>
+                          <a:spcPct val="107000"/>
+                        </a:lnSpc>
+                        <a:spcAft>
+                          <a:spcPts val="800"/>
+                        </a:spcAft>
+                      </a:pPr>
+                      <a:endParaRPr lang="en-IN" sz="1800" dirty="0">
+                        <a:effectLst/>
+                        <a:latin typeface="Calibri" panose="020F0502020204030204" pitchFamily="34" charset="0"/>
+                        <a:ea typeface="Calibri" panose="020F0502020204030204" pitchFamily="34" charset="0"/>
+                        <a:cs typeface="Times New Roman" panose="02020603050405020304" pitchFamily="18" charset="0"/>
+                      </a:endParaRPr>
+                    </a:p>
+                  </a:txBody>
+                  <a:tcPr marL="12582" marR="12582" marT="0" marB="0">
+                    <a:lnL w="12700" cap="flat" cmpd="sng" algn="ctr">
+                      <a:solidFill>
+                        <a:schemeClr val="tx1"/>
+                      </a:solidFill>
+                      <a:prstDash val="solid"/>
+                      <a:round/>
+                      <a:headEnd type="none" w="med" len="med"/>
+                      <a:tailEnd type="none" w="med" len="med"/>
+                    </a:lnL>
+                    <a:lnR w="12700" cap="flat" cmpd="sng" algn="ctr">
+                      <a:solidFill>
+                        <a:schemeClr val="tx1"/>
+                      </a:solidFill>
+                      <a:prstDash val="solid"/>
+                      <a:round/>
+                      <a:headEnd type="none" w="med" len="med"/>
+                      <a:tailEnd type="none" w="med" len="med"/>
+                    </a:lnR>
+                    <a:lnT w="12700" cap="flat" cmpd="sng" algn="ctr">
+                      <a:solidFill>
+                        <a:schemeClr val="tx1"/>
+                      </a:solidFill>
+                      <a:prstDash val="solid"/>
+                      <a:round/>
+                      <a:headEnd type="none" w="med" len="med"/>
+                      <a:tailEnd type="none" w="med" len="med"/>
+                    </a:lnT>
+                    <a:lnB w="12700" cap="flat" cmpd="sng" algn="ctr">
+                      <a:solidFill>
+                        <a:schemeClr val="tx1"/>
+                      </a:solidFill>
+                      <a:prstDash val="solid"/>
+                      <a:round/>
+                      <a:headEnd type="none" w="med" len="med"/>
+                      <a:tailEnd type="none" w="med" len="med"/>
+                    </a:lnB>
+                  </a:tcPr>
+                </a:tc>
+                <a:tc>
+                  <a:txBody>
+                    <a:bodyPr/>
+                    <a:lstStyle/>
+                    <a:p>
+                      <a:pPr>
+                        <a:lnSpc>
+                          <a:spcPct val="107000"/>
+                        </a:lnSpc>
+                        <a:spcAft>
+                          <a:spcPts val="800"/>
+                        </a:spcAft>
+                      </a:pPr>
+                      <a:r>
+                        <a:rPr lang="en-IN" sz="1800" dirty="0" err="1">
+                          <a:effectLst/>
+                        </a:rPr>
+                        <a:t>Stanciu</a:t>
+                      </a:r>
+                      <a:r>
+                        <a:rPr lang="en-IN" sz="1800" dirty="0">
+                          <a:effectLst/>
+                        </a:rPr>
+                        <a:t>, 2017</a:t>
+                      </a:r>
+                      <a:endParaRPr lang="en-IN" sz="1800" dirty="0">
+                        <a:effectLst/>
+                        <a:latin typeface="Calibri" panose="020F0502020204030204" pitchFamily="34" charset="0"/>
+                        <a:ea typeface="Calibri" panose="020F0502020204030204" pitchFamily="34" charset="0"/>
+                        <a:cs typeface="Times New Roman" panose="02020603050405020304" pitchFamily="18" charset="0"/>
+                      </a:endParaRPr>
+                    </a:p>
+                  </a:txBody>
+                  <a:tcPr marL="12582" marR="12582" marT="0" marB="0">
+                    <a:lnL w="12700" cap="flat" cmpd="sng" algn="ctr">
+                      <a:solidFill>
+                        <a:schemeClr val="tx1"/>
+                      </a:solidFill>
+                      <a:prstDash val="solid"/>
+                      <a:round/>
+                      <a:headEnd type="none" w="med" len="med"/>
+                      <a:tailEnd type="none" w="med" len="med"/>
+                    </a:lnL>
+                    <a:lnR w="12700" cap="flat" cmpd="sng" algn="ctr">
+                      <a:solidFill>
+                        <a:schemeClr val="tx1"/>
+                      </a:solidFill>
+                      <a:prstDash val="solid"/>
+                      <a:round/>
+                      <a:headEnd type="none" w="med" len="med"/>
+                      <a:tailEnd type="none" w="med" len="med"/>
+                    </a:lnR>
+                    <a:lnT w="12700" cap="flat" cmpd="sng" algn="ctr">
+                      <a:solidFill>
+                        <a:schemeClr val="tx1"/>
+                      </a:solidFill>
+                      <a:prstDash val="solid"/>
+                      <a:round/>
+                      <a:headEnd type="none" w="med" len="med"/>
+                      <a:tailEnd type="none" w="med" len="med"/>
+                    </a:lnT>
+                    <a:lnB w="12700" cap="flat" cmpd="sng" algn="ctr">
+                      <a:solidFill>
+                        <a:schemeClr val="tx1"/>
+                      </a:solidFill>
+                      <a:prstDash val="solid"/>
+                      <a:round/>
+                      <a:headEnd type="none" w="med" len="med"/>
+                      <a:tailEnd type="none" w="med" len="med"/>
+                    </a:lnB>
+                  </a:tcPr>
+                </a:tc>
+                <a:extLst>
+                  <a:ext uri="{0D108BD9-81ED-4DB2-BD59-A6C34878D82A}">
+                    <a16:rowId xmlns:a16="http://schemas.microsoft.com/office/drawing/2014/main" val="72472534"/>
+                  </a:ext>
+                </a:extLst>
+              </a:tr>
+            </a:tbl>
+          </a:graphicData>
+        </a:graphic>
+      </p:graphicFrame>
+    </p:spTree>
+    <p:extLst>
+      <p:ext uri="{BB962C8B-B14F-4D97-AF65-F5344CB8AC3E}">
+        <p14:creationId xmlns:p14="http://schemas.microsoft.com/office/powerpoint/2010/main" val="1778292698"/>
+      </p:ext>
+    </p:extLst>
+  </p:cSld>
+  <p:clrMapOvr>
+    <a:masterClrMapping/>
+  </p:clrMapOvr>
+</p:sld>
+</file>
+
+<file path=ppt/slides/slide11.xml><?xml version="1.0" encoding="utf-8"?>
+<p:sld xmlns:a="http://schemas.openxmlformats.org/drawingml/2006/main" xmlns:r="http://schemas.openxmlformats.org/officeDocument/2006/relationships" xmlns:p="http://schemas.openxmlformats.org/presentationml/2006/main">
+  <p:cSld>
+    <p:spTree>
+      <p:nvGrpSpPr>
+        <p:cNvPr id="1" name=""/>
+        <p:cNvGrpSpPr/>
+        <p:nvPr/>
+      </p:nvGrpSpPr>
+      <p:grpSpPr>
+        <a:xfrm>
+          <a:off x="0" y="0"/>
+          <a:ext cx="0" cy="0"/>
+          <a:chOff x="0" y="0"/>
+          <a:chExt cx="0" cy="0"/>
+        </a:xfrm>
+      </p:grpSpPr>
       <p:pic>
         <p:nvPicPr>
           <p:cNvPr id="5" name="Picture 4" descr="light spots">
@@ -7147,7 +7705,7 @@
         </p:nvSpPr>
         <p:spPr>
           <a:xfrm>
-            <a:off x="704850" y="2012096"/>
+            <a:off x="95250" y="1400751"/>
             <a:ext cx="4890654" cy="646331"/>
           </a:xfrm>
           <a:prstGeom prst="rect">
@@ -7191,7 +7749,7 @@
         </p:nvSpPr>
         <p:spPr>
           <a:xfrm>
-            <a:off x="1333500" y="2929558"/>
+            <a:off x="2082800" y="2228666"/>
             <a:ext cx="10629900" cy="1200329"/>
           </a:xfrm>
           <a:prstGeom prst="rect">
@@ -7225,7 +7783,7 @@
 </p:sld>
 </file>
 
-<file path=ppt/slides/slide11.xml><?xml version="1.0" encoding="utf-8"?>
+<file path=ppt/slides/slide12.xml><?xml version="1.0" encoding="utf-8"?>
 <p:sld xmlns:a="http://schemas.openxmlformats.org/drawingml/2006/main" xmlns:r="http://schemas.openxmlformats.org/officeDocument/2006/relationships" xmlns:p="http://schemas.openxmlformats.org/presentationml/2006/main">
   <p:cSld>
     <p:spTree>
@@ -7270,7 +7828,7 @@
           <a:p>
             <a:r>
               <a:rPr lang="en-IN" dirty="0"/>
-              <a:t>Design Methodology(Proposed)</a:t>
+              <a:t>Design Methodology</a:t>
             </a:r>
             <a:r>
               <a:rPr lang="en-IN" dirty="0">
@@ -7284,10 +7842,10 @@
       </p:sp>
       <p:pic>
         <p:nvPicPr>
-          <p:cNvPr id="7" name="Picture 6">
+          <p:cNvPr id="9" name="Picture 8">
             <a:extLst>
               <a:ext uri="{FF2B5EF4-FFF2-40B4-BE49-F238E27FC236}">
-                <a16:creationId xmlns:a16="http://schemas.microsoft.com/office/drawing/2014/main" id="{2F7E17BE-9490-4818-A5A9-EFC4AFA5994A}"/>
+                <a16:creationId xmlns:a16="http://schemas.microsoft.com/office/drawing/2014/main" id="{3D6C691C-C0F6-4252-8D3D-ADED4992382B}"/>
               </a:ext>
             </a:extLst>
           </p:cNvPr>
@@ -7304,8 +7862,8 @@
         </p:blipFill>
         <p:spPr>
           <a:xfrm>
-            <a:off x="693738" y="1423987"/>
-            <a:ext cx="10983911" cy="5053013"/>
+            <a:off x="1030287" y="1490134"/>
+            <a:ext cx="10131425" cy="4581525"/>
           </a:xfrm>
           <a:prstGeom prst="rect">
             <a:avLst/>
@@ -7325,7 +7883,7 @@
 </p:sld>
 </file>
 
-<file path=ppt/slides/slide12.xml><?xml version="1.0" encoding="utf-8"?>
+<file path=ppt/slides/slide13.xml><?xml version="1.0" encoding="utf-8"?>
 <p:sld xmlns:a="http://schemas.openxmlformats.org/drawingml/2006/main" xmlns:r="http://schemas.openxmlformats.org/officeDocument/2006/relationships" xmlns:p="http://schemas.openxmlformats.org/presentationml/2006/main">
   <p:cSld>
     <p:spTree>
@@ -7615,6 +8173,116 @@
 </file>
 
 <file path=ppt/slides/slide2.xml><?xml version="1.0" encoding="utf-8"?>
+<p:sld xmlns:a="http://schemas.openxmlformats.org/drawingml/2006/main" xmlns:r="http://schemas.openxmlformats.org/officeDocument/2006/relationships" xmlns:p="http://schemas.openxmlformats.org/presentationml/2006/main">
+  <p:cSld>
+    <p:spTree>
+      <p:nvGrpSpPr>
+        <p:cNvPr id="1" name=""/>
+        <p:cNvGrpSpPr/>
+        <p:nvPr/>
+      </p:nvGrpSpPr>
+      <p:grpSpPr>
+        <a:xfrm>
+          <a:off x="0" y="0"/>
+          <a:ext cx="0" cy="0"/>
+          <a:chOff x="0" y="0"/>
+          <a:chExt cx="0" cy="0"/>
+        </a:xfrm>
+      </p:grpSpPr>
+      <p:sp>
+        <p:nvSpPr>
+          <p:cNvPr id="4" name="TextBox 3">
+            <a:extLst>
+              <a:ext uri="{FF2B5EF4-FFF2-40B4-BE49-F238E27FC236}">
+                <a16:creationId xmlns:a16="http://schemas.microsoft.com/office/drawing/2014/main" id="{E75637DD-4C83-416C-AF3F-8C1A87730C14}"/>
+              </a:ext>
+            </a:extLst>
+          </p:cNvPr>
+          <p:cNvSpPr txBox="1"/>
+          <p:nvPr/>
+        </p:nvSpPr>
+        <p:spPr>
+          <a:xfrm>
+            <a:off x="457200" y="533400"/>
+            <a:ext cx="2997200" cy="646331"/>
+          </a:xfrm>
+          <a:prstGeom prst="rect">
+            <a:avLst/>
+          </a:prstGeom>
+          <a:noFill/>
+        </p:spPr>
+        <p:txBody>
+          <a:bodyPr wrap="square" rtlCol="0">
+            <a:spAutoFit/>
+          </a:bodyPr>
+          <a:lstStyle/>
+          <a:p>
+            <a:r>
+              <a:rPr lang="en-IN" sz="3600" dirty="0">
+                <a:solidFill>
+                  <a:srgbClr val="FFC000"/>
+                </a:solidFill>
+              </a:rPr>
+              <a:t>Abstract:</a:t>
+            </a:r>
+          </a:p>
+        </p:txBody>
+      </p:sp>
+      <p:sp>
+        <p:nvSpPr>
+          <p:cNvPr id="7" name="TextBox 6">
+            <a:extLst>
+              <a:ext uri="{FF2B5EF4-FFF2-40B4-BE49-F238E27FC236}">
+                <a16:creationId xmlns:a16="http://schemas.microsoft.com/office/drawing/2014/main" id="{091D7B5A-D20D-454F-B55D-EEA853A5A81E}"/>
+              </a:ext>
+            </a:extLst>
+          </p:cNvPr>
+          <p:cNvSpPr txBox="1"/>
+          <p:nvPr/>
+        </p:nvSpPr>
+        <p:spPr>
+          <a:xfrm>
+            <a:off x="977900" y="1179731"/>
+            <a:ext cx="10236200" cy="4893647"/>
+          </a:xfrm>
+          <a:prstGeom prst="rect">
+            <a:avLst/>
+          </a:prstGeom>
+          <a:noFill/>
+        </p:spPr>
+        <p:txBody>
+          <a:bodyPr wrap="square" rtlCol="0">
+            <a:spAutoFit/>
+          </a:bodyPr>
+          <a:lstStyle/>
+          <a:p>
+            <a:endParaRPr lang="en-US" sz="2600" dirty="0"/>
+          </a:p>
+          <a:p>
+            <a:r>
+              <a:rPr lang="en-US" sz="2600" dirty="0"/>
+              <a:t>Blockchain technology has shown its considerable adaptability in recent years as a variety of market sectors sought ways of incorporating its abilities into their operations. While so far most of the focus has been on the financial services industry, several projects in other service related areas such as healthcare show this is beginning to change. Numerous starting points for Blockchain technology in the healthcare industry are the focus of this report. With examples for public healthcare management, user-oriented medical research and drug counterfeiting in the pharmaceutical sector, this report aims to illustrate possible influences, goals and potentials connected to this disruptive technology.</a:t>
+            </a:r>
+          </a:p>
+          <a:p>
+            <a:endParaRPr lang="en-IN" sz="2600" dirty="0"/>
+          </a:p>
+        </p:txBody>
+      </p:sp>
+    </p:spTree>
+    <p:extLst>
+      <p:ext uri="{BB962C8B-B14F-4D97-AF65-F5344CB8AC3E}">
+        <p14:creationId xmlns:p14="http://schemas.microsoft.com/office/powerpoint/2010/main" val="3956288550"/>
+      </p:ext>
+    </p:extLst>
+  </p:cSld>
+  <p:clrMapOvr>
+    <a:masterClrMapping/>
+  </p:clrMapOvr>
+</p:sld>
+</file>
+
+<file path=ppt/slides/slide3.xml><?xml version="1.0" encoding="utf-8"?>
 <p:sld xmlns:a="http://schemas.openxmlformats.org/drawingml/2006/main" xmlns:r="http://schemas.openxmlformats.org/officeDocument/2006/relationships" xmlns:p="http://schemas.openxmlformats.org/presentationml/2006/main">
   <p:cSld>
     <p:bg>
@@ -16617,7 +17285,7 @@
 </p:sld>
 </file>
 
-<file path=ppt/slides/slide3.xml><?xml version="1.0" encoding="utf-8"?>
+<file path=ppt/slides/slide4.xml><?xml version="1.0" encoding="utf-8"?>
 <p:sld xmlns:a="http://schemas.openxmlformats.org/drawingml/2006/main" xmlns:r="http://schemas.openxmlformats.org/officeDocument/2006/relationships" xmlns:p="http://schemas.openxmlformats.org/presentationml/2006/main">
   <p:cSld>
     <p:spTree>
@@ -16741,7 +17409,7 @@
 </p:sld>
 </file>
 
-<file path=ppt/slides/slide4.xml><?xml version="1.0" encoding="utf-8"?>
+<file path=ppt/slides/slide5.xml><?xml version="1.0" encoding="utf-8"?>
 <p:sld xmlns:a="http://schemas.openxmlformats.org/drawingml/2006/main" xmlns:r="http://schemas.openxmlformats.org/officeDocument/2006/relationships" xmlns:p="http://schemas.openxmlformats.org/presentationml/2006/main">
   <p:cSld>
     <p:spTree>
@@ -16901,7 +17569,7 @@
 </p:sld>
 </file>
 
-<file path=ppt/slides/slide5.xml><?xml version="1.0" encoding="utf-8"?>
+<file path=ppt/slides/slide6.xml><?xml version="1.0" encoding="utf-8"?>
 <p:sld xmlns:a="http://schemas.openxmlformats.org/drawingml/2006/main" xmlns:r="http://schemas.openxmlformats.org/officeDocument/2006/relationships" xmlns:p="http://schemas.openxmlformats.org/presentationml/2006/main">
   <p:cSld>
     <p:spTree>
@@ -17002,7 +17670,7 @@
 </p:sld>
 </file>
 
-<file path=ppt/slides/slide6.xml><?xml version="1.0" encoding="utf-8"?>
+<file path=ppt/slides/slide7.xml><?xml version="1.0" encoding="utf-8"?>
 <p:sld xmlns:a="http://schemas.openxmlformats.org/drawingml/2006/main" xmlns:r="http://schemas.openxmlformats.org/officeDocument/2006/relationships" xmlns:p="http://schemas.openxmlformats.org/presentationml/2006/main">
   <p:cSld>
     <p:spTree>
@@ -18893,7 +19561,7 @@
 </p:sld>
 </file>
 
-<file path=ppt/slides/slide7.xml><?xml version="1.0" encoding="utf-8"?>
+<file path=ppt/slides/slide8.xml><?xml version="1.0" encoding="utf-8"?>
 <p:sld xmlns:a="http://schemas.openxmlformats.org/drawingml/2006/main" xmlns:r="http://schemas.openxmlformats.org/officeDocument/2006/relationships" xmlns:p="http://schemas.openxmlformats.org/presentationml/2006/main">
   <p:cSld>
     <p:spTree>
@@ -18944,7 +19612,7 @@
                   <a:srgbClr val="FFC000"/>
                 </a:solidFill>
               </a:rPr>
-              <a:t>PAST RESEARCHES </a:t>
+              <a:t>PAST RESEARCHES</a:t>
             </a:r>
           </a:p>
         </p:txBody>
@@ -18962,7 +19630,7 @@
 </p:sld>
 </file>
 
-<file path=ppt/slides/slide8.xml><?xml version="1.0" encoding="utf-8"?>
+<file path=ppt/slides/slide9.xml><?xml version="1.0" encoding="utf-8"?>
 <p:sld xmlns:a="http://schemas.openxmlformats.org/drawingml/2006/main" xmlns:r="http://schemas.openxmlformats.org/officeDocument/2006/relationships" xmlns:p="http://schemas.openxmlformats.org/presentationml/2006/main">
   <p:cSld>
     <p:spTree>
@@ -19929,563 +20597,6 @@
     <p:extLst>
       <p:ext uri="{BB962C8B-B14F-4D97-AF65-F5344CB8AC3E}">
         <p14:creationId xmlns:p14="http://schemas.microsoft.com/office/powerpoint/2010/main" val="2915144340"/>
-      </p:ext>
-    </p:extLst>
-  </p:cSld>
-  <p:clrMapOvr>
-    <a:masterClrMapping/>
-  </p:clrMapOvr>
-</p:sld>
-</file>
-
-<file path=ppt/slides/slide9.xml><?xml version="1.0" encoding="utf-8"?>
-<p:sld xmlns:a="http://schemas.openxmlformats.org/drawingml/2006/main" xmlns:r="http://schemas.openxmlformats.org/officeDocument/2006/relationships" xmlns:p="http://schemas.openxmlformats.org/presentationml/2006/main">
-  <p:cSld>
-    <p:spTree>
-      <p:nvGrpSpPr>
-        <p:cNvPr id="1" name=""/>
-        <p:cNvGrpSpPr/>
-        <p:nvPr/>
-      </p:nvGrpSpPr>
-      <p:grpSpPr>
-        <a:xfrm>
-          <a:off x="0" y="0"/>
-          <a:ext cx="0" cy="0"/>
-          <a:chOff x="0" y="0"/>
-          <a:chExt cx="0" cy="0"/>
-        </a:xfrm>
-      </p:grpSpPr>
-      <p:graphicFrame>
-        <p:nvGraphicFramePr>
-          <p:cNvPr id="5" name="Table 4">
-            <a:extLst>
-              <a:ext uri="{FF2B5EF4-FFF2-40B4-BE49-F238E27FC236}">
-                <a16:creationId xmlns:a16="http://schemas.microsoft.com/office/drawing/2014/main" id="{0DF33AD3-B4BC-4F93-AC0B-A98ABD624F4D}"/>
-              </a:ext>
-            </a:extLst>
-          </p:cNvPr>
-          <p:cNvGraphicFramePr>
-            <a:graphicFrameLocks noGrp="1"/>
-          </p:cNvGraphicFramePr>
-          <p:nvPr>
-            <p:extLst>
-              <p:ext uri="{D42A27DB-BD31-4B8C-83A1-F6EECF244321}">
-                <p14:modId xmlns:p14="http://schemas.microsoft.com/office/powerpoint/2010/main" val="1749269586"/>
-              </p:ext>
-            </p:extLst>
-          </p:nvPr>
-        </p:nvGraphicFramePr>
-        <p:xfrm>
-          <a:off x="533400" y="457200"/>
-          <a:ext cx="11125199" cy="5561712"/>
-        </p:xfrm>
-        <a:graphic>
-          <a:graphicData uri="http://schemas.openxmlformats.org/drawingml/2006/table">
-            <a:tbl>
-              <a:tblPr firstRow="1" firstCol="1" bandRow="1">
-                <a:tableStyleId>{2D5ABB26-0587-4C30-8999-92F81FD0307C}</a:tableStyleId>
-              </a:tblPr>
-              <a:tblGrid>
-                <a:gridCol w="2469722">
-                  <a:extLst>
-                    <a:ext uri="{9D8B030D-6E8A-4147-A177-3AD203B41FA5}">
-                      <a16:colId xmlns:a16="http://schemas.microsoft.com/office/drawing/2014/main" val="2121969142"/>
-                    </a:ext>
-                  </a:extLst>
-                </a:gridCol>
-                <a:gridCol w="5255658">
-                  <a:extLst>
-                    <a:ext uri="{9D8B030D-6E8A-4147-A177-3AD203B41FA5}">
-                      <a16:colId xmlns:a16="http://schemas.microsoft.com/office/drawing/2014/main" val="1259411813"/>
-                    </a:ext>
-                  </a:extLst>
-                </a:gridCol>
-                <a:gridCol w="3399819">
-                  <a:extLst>
-                    <a:ext uri="{9D8B030D-6E8A-4147-A177-3AD203B41FA5}">
-                      <a16:colId xmlns:a16="http://schemas.microsoft.com/office/drawing/2014/main" val="1742097559"/>
-                    </a:ext>
-                  </a:extLst>
-                </a:gridCol>
-              </a:tblGrid>
-              <a:tr h="1933413">
-                <a:tc>
-                  <a:txBody>
-                    <a:bodyPr/>
-                    <a:lstStyle/>
-                    <a:p>
-                      <a:pPr algn="ctr">
-                        <a:lnSpc>
-                          <a:spcPct val="107000"/>
-                        </a:lnSpc>
-                        <a:spcAft>
-                          <a:spcPts val="800"/>
-                        </a:spcAft>
-                      </a:pPr>
-                      <a:r>
-                        <a:rPr lang="en-IN" sz="1800" dirty="0">
-                          <a:effectLst/>
-                        </a:rPr>
-                        <a:t>API issues over Security .</a:t>
-                      </a:r>
-                      <a:endParaRPr lang="en-IN" sz="1800" dirty="0">
-                        <a:effectLst/>
-                        <a:latin typeface="Calibri" panose="020F0502020204030204" pitchFamily="34" charset="0"/>
-                        <a:ea typeface="Calibri" panose="020F0502020204030204" pitchFamily="34" charset="0"/>
-                        <a:cs typeface="Times New Roman" panose="02020603050405020304" pitchFamily="18" charset="0"/>
-                      </a:endParaRPr>
-                    </a:p>
-                  </a:txBody>
-                  <a:tcPr marL="12582" marR="12582" marT="0" marB="0">
-                    <a:lnL w="12700" cap="flat" cmpd="sng" algn="ctr">
-                      <a:solidFill>
-                        <a:schemeClr val="tx1"/>
-                      </a:solidFill>
-                      <a:prstDash val="solid"/>
-                      <a:round/>
-                      <a:headEnd type="none" w="med" len="med"/>
-                      <a:tailEnd type="none" w="med" len="med"/>
-                    </a:lnL>
-                    <a:lnR w="12700" cap="flat" cmpd="sng" algn="ctr">
-                      <a:solidFill>
-                        <a:schemeClr val="tx1"/>
-                      </a:solidFill>
-                      <a:prstDash val="solid"/>
-                      <a:round/>
-                      <a:headEnd type="none" w="med" len="med"/>
-                      <a:tailEnd type="none" w="med" len="med"/>
-                    </a:lnR>
-                    <a:lnT w="12700" cap="flat" cmpd="sng" algn="ctr">
-                      <a:solidFill>
-                        <a:schemeClr val="tx1"/>
-                      </a:solidFill>
-                      <a:prstDash val="solid"/>
-                      <a:round/>
-                      <a:headEnd type="none" w="med" len="med"/>
-                      <a:tailEnd type="none" w="med" len="med"/>
-                    </a:lnT>
-                    <a:lnB w="12700" cap="flat" cmpd="sng" algn="ctr">
-                      <a:solidFill>
-                        <a:schemeClr val="tx1"/>
-                      </a:solidFill>
-                      <a:prstDash val="solid"/>
-                      <a:round/>
-                      <a:headEnd type="none" w="med" len="med"/>
-                      <a:tailEnd type="none" w="med" len="med"/>
-                    </a:lnB>
-                  </a:tcPr>
-                </a:tc>
-                <a:tc>
-                  <a:txBody>
-                    <a:bodyPr/>
-                    <a:lstStyle/>
-                    <a:p>
-                      <a:pPr algn="ctr">
-                        <a:lnSpc>
-                          <a:spcPct val="107000"/>
-                        </a:lnSpc>
-                        <a:spcAft>
-                          <a:spcPts val="800"/>
-                        </a:spcAft>
-                      </a:pPr>
-                      <a:r>
-                        <a:rPr lang="en-IN" sz="1800" dirty="0">
-                          <a:effectLst/>
-                        </a:rPr>
-                        <a:t>Blockchain technology addresses interoperability challenges, is based on open standards, provides a shared distributed view of health data and will achieve widespread acceptance and deployment throughout all industries.</a:t>
-                      </a:r>
-                    </a:p>
-                    <a:p>
-                      <a:pPr algn="ctr">
-                        <a:lnSpc>
-                          <a:spcPct val="107000"/>
-                        </a:lnSpc>
-                        <a:spcAft>
-                          <a:spcPts val="800"/>
-                        </a:spcAft>
-                      </a:pPr>
-                      <a:r>
-                        <a:rPr lang="en-IN" sz="1800" dirty="0">
-                          <a:effectLst/>
-                        </a:rPr>
-                        <a:t>Third party API can prove a threat to the data , In order to overcome this we will use a Ledger having all information whether to add the data or not.</a:t>
-                      </a:r>
-                      <a:endParaRPr lang="en-IN" sz="1800" dirty="0">
-                        <a:effectLst/>
-                        <a:latin typeface="Calibri" panose="020F0502020204030204" pitchFamily="34" charset="0"/>
-                        <a:ea typeface="Calibri" panose="020F0502020204030204" pitchFamily="34" charset="0"/>
-                        <a:cs typeface="Times New Roman" panose="02020603050405020304" pitchFamily="18" charset="0"/>
-                      </a:endParaRPr>
-                    </a:p>
-                  </a:txBody>
-                  <a:tcPr marL="12582" marR="12582" marT="0" marB="0">
-                    <a:lnL w="12700" cap="flat" cmpd="sng" algn="ctr">
-                      <a:solidFill>
-                        <a:schemeClr val="tx1"/>
-                      </a:solidFill>
-                      <a:prstDash val="solid"/>
-                      <a:round/>
-                      <a:headEnd type="none" w="med" len="med"/>
-                      <a:tailEnd type="none" w="med" len="med"/>
-                    </a:lnL>
-                    <a:lnR w="12700" cap="flat" cmpd="sng" algn="ctr">
-                      <a:solidFill>
-                        <a:schemeClr val="tx1"/>
-                      </a:solidFill>
-                      <a:prstDash val="solid"/>
-                      <a:round/>
-                      <a:headEnd type="none" w="med" len="med"/>
-                      <a:tailEnd type="none" w="med" len="med"/>
-                    </a:lnR>
-                    <a:lnT w="12700" cap="flat" cmpd="sng" algn="ctr">
-                      <a:solidFill>
-                        <a:schemeClr val="tx1"/>
-                      </a:solidFill>
-                      <a:prstDash val="solid"/>
-                      <a:round/>
-                      <a:headEnd type="none" w="med" len="med"/>
-                      <a:tailEnd type="none" w="med" len="med"/>
-                    </a:lnT>
-                    <a:lnB w="12700" cap="flat" cmpd="sng" algn="ctr">
-                      <a:solidFill>
-                        <a:schemeClr val="tx1"/>
-                      </a:solidFill>
-                      <a:prstDash val="solid"/>
-                      <a:round/>
-                      <a:headEnd type="none" w="med" len="med"/>
-                      <a:tailEnd type="none" w="med" len="med"/>
-                    </a:lnB>
-                  </a:tcPr>
-                </a:tc>
-                <a:tc>
-                  <a:txBody>
-                    <a:bodyPr/>
-                    <a:lstStyle/>
-                    <a:p>
-                      <a:pPr algn="ctr">
-                        <a:lnSpc>
-                          <a:spcPct val="107000"/>
-                        </a:lnSpc>
-                        <a:spcAft>
-                          <a:spcPts val="800"/>
-                        </a:spcAft>
-                      </a:pPr>
-                      <a:r>
-                        <a:rPr lang="en-IN" sz="1800" dirty="0">
-                          <a:effectLst/>
-                        </a:rPr>
-                        <a:t>Laure A. Linn Martha B. Koo, M.D. 2017</a:t>
-                      </a:r>
-                      <a:endParaRPr lang="en-IN" sz="1800" dirty="0">
-                        <a:effectLst/>
-                        <a:latin typeface="Calibri" panose="020F0502020204030204" pitchFamily="34" charset="0"/>
-                        <a:ea typeface="Calibri" panose="020F0502020204030204" pitchFamily="34" charset="0"/>
-                        <a:cs typeface="Times New Roman" panose="02020603050405020304" pitchFamily="18" charset="0"/>
-                      </a:endParaRPr>
-                    </a:p>
-                  </a:txBody>
-                  <a:tcPr marL="12582" marR="12582" marT="0" marB="0">
-                    <a:lnL w="12700" cap="flat" cmpd="sng" algn="ctr">
-                      <a:solidFill>
-                        <a:schemeClr val="tx1"/>
-                      </a:solidFill>
-                      <a:prstDash val="solid"/>
-                      <a:round/>
-                      <a:headEnd type="none" w="med" len="med"/>
-                      <a:tailEnd type="none" w="med" len="med"/>
-                    </a:lnL>
-                    <a:lnR w="12700" cap="flat" cmpd="sng" algn="ctr">
-                      <a:solidFill>
-                        <a:schemeClr val="tx1"/>
-                      </a:solidFill>
-                      <a:prstDash val="solid"/>
-                      <a:round/>
-                      <a:headEnd type="none" w="med" len="med"/>
-                      <a:tailEnd type="none" w="med" len="med"/>
-                    </a:lnR>
-                    <a:lnT w="12700" cap="flat" cmpd="sng" algn="ctr">
-                      <a:solidFill>
-                        <a:schemeClr val="tx1"/>
-                      </a:solidFill>
-                      <a:prstDash val="solid"/>
-                      <a:round/>
-                      <a:headEnd type="none" w="med" len="med"/>
-                      <a:tailEnd type="none" w="med" len="med"/>
-                    </a:lnT>
-                    <a:lnB w="12700" cap="flat" cmpd="sng" algn="ctr">
-                      <a:solidFill>
-                        <a:schemeClr val="tx1"/>
-                      </a:solidFill>
-                      <a:prstDash val="solid"/>
-                      <a:round/>
-                      <a:headEnd type="none" w="med" len="med"/>
-                      <a:tailEnd type="none" w="med" len="med"/>
-                    </a:lnB>
-                  </a:tcPr>
-                </a:tc>
-                <a:extLst>
-                  <a:ext uri="{0D108BD9-81ED-4DB2-BD59-A6C34878D82A}">
-                    <a16:rowId xmlns:a16="http://schemas.microsoft.com/office/drawing/2014/main" val="2421205252"/>
-                  </a:ext>
-                </a:extLst>
-              </a:tr>
-              <a:tr h="2628926">
-                <a:tc>
-                  <a:txBody>
-                    <a:bodyPr/>
-                    <a:lstStyle/>
-                    <a:p>
-                      <a:pPr>
-                        <a:lnSpc>
-                          <a:spcPct val="107000"/>
-                        </a:lnSpc>
-                        <a:spcAft>
-                          <a:spcPts val="800"/>
-                        </a:spcAft>
-                      </a:pPr>
-                      <a:r>
-                        <a:rPr lang="en-IN" sz="1800" dirty="0">
-                          <a:effectLst/>
-                        </a:rPr>
-                        <a:t>Low transparency of contracts and high intermediary costs</a:t>
-                      </a:r>
-                      <a:endParaRPr lang="en-IN" sz="1800" dirty="0">
-                        <a:effectLst/>
-                        <a:latin typeface="Calibri" panose="020F0502020204030204" pitchFamily="34" charset="0"/>
-                        <a:ea typeface="Calibri" panose="020F0502020204030204" pitchFamily="34" charset="0"/>
-                        <a:cs typeface="Times New Roman" panose="02020603050405020304" pitchFamily="18" charset="0"/>
-                      </a:endParaRPr>
-                    </a:p>
-                  </a:txBody>
-                  <a:tcPr marL="12582" marR="12582" marT="0" marB="0">
-                    <a:lnL w="12700" cap="flat" cmpd="sng" algn="ctr">
-                      <a:solidFill>
-                        <a:schemeClr val="tx1"/>
-                      </a:solidFill>
-                      <a:prstDash val="solid"/>
-                      <a:round/>
-                      <a:headEnd type="none" w="med" len="med"/>
-                      <a:tailEnd type="none" w="med" len="med"/>
-                    </a:lnL>
-                    <a:lnR w="12700" cap="flat" cmpd="sng" algn="ctr">
-                      <a:solidFill>
-                        <a:schemeClr val="tx1"/>
-                      </a:solidFill>
-                      <a:prstDash val="solid"/>
-                      <a:round/>
-                      <a:headEnd type="none" w="med" len="med"/>
-                      <a:tailEnd type="none" w="med" len="med"/>
-                    </a:lnR>
-                    <a:lnT w="12700" cap="flat" cmpd="sng" algn="ctr">
-                      <a:solidFill>
-                        <a:schemeClr val="tx1"/>
-                      </a:solidFill>
-                      <a:prstDash val="solid"/>
-                      <a:round/>
-                      <a:headEnd type="none" w="med" len="med"/>
-                      <a:tailEnd type="none" w="med" len="med"/>
-                    </a:lnT>
-                    <a:lnB w="12700" cap="flat" cmpd="sng" algn="ctr">
-                      <a:solidFill>
-                        <a:schemeClr val="tx1"/>
-                      </a:solidFill>
-                      <a:prstDash val="solid"/>
-                      <a:round/>
-                      <a:headEnd type="none" w="med" len="med"/>
-                      <a:tailEnd type="none" w="med" len="med"/>
-                    </a:lnB>
-                  </a:tcPr>
-                </a:tc>
-                <a:tc>
-                  <a:txBody>
-                    <a:bodyPr/>
-                    <a:lstStyle/>
-                    <a:p>
-                      <a:pPr algn="ctr">
-                        <a:lnSpc>
-                          <a:spcPct val="107000"/>
-                        </a:lnSpc>
-                        <a:spcAft>
-                          <a:spcPts val="800"/>
-                        </a:spcAft>
-                      </a:pPr>
-                      <a:r>
-                        <a:rPr lang="en-IN" sz="1800" dirty="0">
-                          <a:effectLst/>
-                        </a:rPr>
-                        <a:t>(By Using Smart contracts)</a:t>
-                      </a:r>
-                    </a:p>
-                    <a:p>
-                      <a:pPr algn="ctr">
-                        <a:lnSpc>
-                          <a:spcPct val="107000"/>
-                        </a:lnSpc>
-                        <a:spcAft>
-                          <a:spcPts val="800"/>
-                        </a:spcAft>
-                      </a:pPr>
-                      <a:r>
-                        <a:rPr lang="en-IN" sz="1800" dirty="0">
-                          <a:effectLst/>
-                        </a:rPr>
-                        <a:t>Decentralised consensus improves the healthcare system transparency whilst removing an intermediary party that inflates the cost of healthcare. Further benefits include a significant reduction of inefficiency and waste in the healthcare ecosystem(Zhang, Schmidt, et al., 2018). The use of encryption, transparency and decentralised ledger removes miscommunication and mistrust and promote a transition to </a:t>
-                      </a:r>
-                      <a:r>
-                        <a:rPr lang="en-IN" sz="1800" dirty="0" err="1">
-                          <a:effectLst/>
-                        </a:rPr>
-                        <a:t>valuebased</a:t>
-                      </a:r>
-                      <a:r>
-                        <a:rPr lang="en-IN" sz="1800" dirty="0">
-                          <a:effectLst/>
-                        </a:rPr>
-                        <a:t> care.</a:t>
-                      </a:r>
-                    </a:p>
-                    <a:p>
-                      <a:pPr>
-                        <a:lnSpc>
-                          <a:spcPct val="107000"/>
-                        </a:lnSpc>
-                        <a:spcAft>
-                          <a:spcPts val="800"/>
-                        </a:spcAft>
-                      </a:pPr>
-                      <a:endParaRPr lang="en-IN" sz="1800" dirty="0">
-                        <a:effectLst/>
-                        <a:latin typeface="Calibri" panose="020F0502020204030204" pitchFamily="34" charset="0"/>
-                        <a:ea typeface="Calibri" panose="020F0502020204030204" pitchFamily="34" charset="0"/>
-                        <a:cs typeface="Times New Roman" panose="02020603050405020304" pitchFamily="18" charset="0"/>
-                      </a:endParaRPr>
-                    </a:p>
-                  </a:txBody>
-                  <a:tcPr marL="12582" marR="12582" marT="0" marB="0">
-                    <a:lnL w="12700" cap="flat" cmpd="sng" algn="ctr">
-                      <a:solidFill>
-                        <a:schemeClr val="tx1"/>
-                      </a:solidFill>
-                      <a:prstDash val="solid"/>
-                      <a:round/>
-                      <a:headEnd type="none" w="med" len="med"/>
-                      <a:tailEnd type="none" w="med" len="med"/>
-                    </a:lnL>
-                    <a:lnR w="12700" cap="flat" cmpd="sng" algn="ctr">
-                      <a:solidFill>
-                        <a:schemeClr val="tx1"/>
-                      </a:solidFill>
-                      <a:prstDash val="solid"/>
-                      <a:round/>
-                      <a:headEnd type="none" w="med" len="med"/>
-                      <a:tailEnd type="none" w="med" len="med"/>
-                    </a:lnR>
-                    <a:lnT w="12700" cap="flat" cmpd="sng" algn="ctr">
-                      <a:solidFill>
-                        <a:schemeClr val="tx1"/>
-                      </a:solidFill>
-                      <a:prstDash val="solid"/>
-                      <a:round/>
-                      <a:headEnd type="none" w="med" len="med"/>
-                      <a:tailEnd type="none" w="med" len="med"/>
-                    </a:lnT>
-                    <a:lnB w="12700" cap="flat" cmpd="sng" algn="ctr">
-                      <a:solidFill>
-                        <a:schemeClr val="tx1"/>
-                      </a:solidFill>
-                      <a:prstDash val="solid"/>
-                      <a:round/>
-                      <a:headEnd type="none" w="med" len="med"/>
-                      <a:tailEnd type="none" w="med" len="med"/>
-                    </a:lnB>
-                  </a:tcPr>
-                </a:tc>
-                <a:tc>
-                  <a:txBody>
-                    <a:bodyPr/>
-                    <a:lstStyle/>
-                    <a:p>
-                      <a:pPr>
-                        <a:lnSpc>
-                          <a:spcPct val="107000"/>
-                        </a:lnSpc>
-                        <a:spcAft>
-                          <a:spcPts val="800"/>
-                        </a:spcAft>
-                      </a:pPr>
-                      <a:r>
-                        <a:rPr lang="en-IN" sz="1800" dirty="0" err="1">
-                          <a:effectLst/>
-                        </a:rPr>
-                        <a:t>Stanciu</a:t>
-                      </a:r>
-                      <a:r>
-                        <a:rPr lang="en-IN" sz="1800" dirty="0">
-                          <a:effectLst/>
-                        </a:rPr>
-                        <a:t>, 2017</a:t>
-                      </a:r>
-                      <a:endParaRPr lang="en-IN" sz="1800" dirty="0">
-                        <a:effectLst/>
-                        <a:latin typeface="Calibri" panose="020F0502020204030204" pitchFamily="34" charset="0"/>
-                        <a:ea typeface="Calibri" panose="020F0502020204030204" pitchFamily="34" charset="0"/>
-                        <a:cs typeface="Times New Roman" panose="02020603050405020304" pitchFamily="18" charset="0"/>
-                      </a:endParaRPr>
-                    </a:p>
-                  </a:txBody>
-                  <a:tcPr marL="12582" marR="12582" marT="0" marB="0">
-                    <a:lnL w="12700" cap="flat" cmpd="sng" algn="ctr">
-                      <a:solidFill>
-                        <a:schemeClr val="tx1"/>
-                      </a:solidFill>
-                      <a:prstDash val="solid"/>
-                      <a:round/>
-                      <a:headEnd type="none" w="med" len="med"/>
-                      <a:tailEnd type="none" w="med" len="med"/>
-                    </a:lnL>
-                    <a:lnR w="12700" cap="flat" cmpd="sng" algn="ctr">
-                      <a:solidFill>
-                        <a:schemeClr val="tx1"/>
-                      </a:solidFill>
-                      <a:prstDash val="solid"/>
-                      <a:round/>
-                      <a:headEnd type="none" w="med" len="med"/>
-                      <a:tailEnd type="none" w="med" len="med"/>
-                    </a:lnR>
-                    <a:lnT w="12700" cap="flat" cmpd="sng" algn="ctr">
-                      <a:solidFill>
-                        <a:schemeClr val="tx1"/>
-                      </a:solidFill>
-                      <a:prstDash val="solid"/>
-                      <a:round/>
-                      <a:headEnd type="none" w="med" len="med"/>
-                      <a:tailEnd type="none" w="med" len="med"/>
-                    </a:lnT>
-                    <a:lnB w="12700" cap="flat" cmpd="sng" algn="ctr">
-                      <a:solidFill>
-                        <a:schemeClr val="tx1"/>
-                      </a:solidFill>
-                      <a:prstDash val="solid"/>
-                      <a:round/>
-                      <a:headEnd type="none" w="med" len="med"/>
-                      <a:tailEnd type="none" w="med" len="med"/>
-                    </a:lnB>
-                  </a:tcPr>
-                </a:tc>
-                <a:extLst>
-                  <a:ext uri="{0D108BD9-81ED-4DB2-BD59-A6C34878D82A}">
-                    <a16:rowId xmlns:a16="http://schemas.microsoft.com/office/drawing/2014/main" val="72472534"/>
-                  </a:ext>
-                </a:extLst>
-              </a:tr>
-            </a:tbl>
-          </a:graphicData>
-        </a:graphic>
-      </p:graphicFrame>
-    </p:spTree>
-    <p:extLst>
-      <p:ext uri="{BB962C8B-B14F-4D97-AF65-F5344CB8AC3E}">
-        <p14:creationId xmlns:p14="http://schemas.microsoft.com/office/powerpoint/2010/main" val="1778292698"/>
       </p:ext>
     </p:extLst>
   </p:cSld>
